--- a/BA-presentation.pptx
+++ b/BA-presentation.pptx
@@ -231,7 +231,7 @@
           <a:p>
             <a:fld id="{940D100D-348E-394A-A4A0-C11271708A98}" type="datetimeFigureOut">
               <a:rPr lang="de-DE" smtClean="0"/>
-              <a:t>07.09.21</a:t>
+              <a:t>10.09.21</a:t>
             </a:fld>
             <a:endParaRPr lang="de-DE"/>
           </a:p>
@@ -9168,8 +9168,8 @@
           <a:chExt cx="0" cy="0"/>
         </a:xfrm>
       </p:grpSpPr>
-      <mc:AlternateContent xmlns:mc="http://schemas.openxmlformats.org/markup-compatibility/2006">
-        <mc:Choice xmlns:a14="http://schemas.microsoft.com/office/drawing/2010/main" Requires="a14">
+      <mc:AlternateContent xmlns:mc="http://schemas.openxmlformats.org/markup-compatibility/2006" xmlns:a14="http://schemas.microsoft.com/office/drawing/2010/main">
+        <mc:Choice Requires="a14">
           <p:sp>
             <p:nvSpPr>
               <p:cNvPr id="2" name="Title 1">
@@ -9214,7 +9214,7 @@
             </p:txBody>
           </p:sp>
         </mc:Choice>
-        <mc:Fallback>
+        <mc:Fallback xmlns="">
           <p:sp>
             <p:nvSpPr>
               <p:cNvPr id="2" name="Title 1">
@@ -10040,8 +10040,8 @@
           <a:chExt cx="0" cy="0"/>
         </a:xfrm>
       </p:grpSpPr>
-      <mc:AlternateContent xmlns:mc="http://schemas.openxmlformats.org/markup-compatibility/2006">
-        <mc:Choice xmlns:a14="http://schemas.microsoft.com/office/drawing/2010/main" Requires="a14">
+      <mc:AlternateContent xmlns:mc="http://schemas.openxmlformats.org/markup-compatibility/2006" xmlns:a14="http://schemas.microsoft.com/office/drawing/2010/main">
+        <mc:Choice Requires="a14">
           <p:sp>
             <p:nvSpPr>
               <p:cNvPr id="2" name="Title 1">
@@ -10086,7 +10086,7 @@
             </p:txBody>
           </p:sp>
         </mc:Choice>
-        <mc:Fallback>
+        <mc:Fallback xmlns="">
           <p:sp>
             <p:nvSpPr>
               <p:cNvPr id="2" name="Title 1">
@@ -11344,12 +11344,14 @@
         </p:nvSpPr>
         <p:spPr>
           <a:xfrm>
-            <a:off x="1524000" y="3747181"/>
-            <a:ext cx="9144000" cy="1655762"/>
+            <a:off x="1524000" y="3747180"/>
+            <a:ext cx="9144000" cy="2933019"/>
           </a:xfrm>
         </p:spPr>
         <p:txBody>
-          <a:bodyPr/>
+          <a:bodyPr>
+            <a:normAutofit/>
+          </a:bodyPr>
           <a:lstStyle/>
           <a:p>
             <a:r>
@@ -11373,9 +11375,43 @@
                     <a:lumOff val="5000"/>
                   </a:schemeClr>
                 </a:solidFill>
+                <a:hlinkClick r:id="rId2"/>
               </a:rPr>
-              <a:t>https://</a:t>
-            </a:r>
+              <a:t>https://github.com/ansrev/qaoa_routing</a:t>
+            </a:r>
+            <a:endParaRPr lang="de-DE" dirty="0">
+              <a:solidFill>
+                <a:schemeClr val="tx1">
+                  <a:lumMod val="95000"/>
+                  <a:lumOff val="5000"/>
+                </a:schemeClr>
+              </a:solidFill>
+            </a:endParaRPr>
+          </a:p>
+          <a:p>
+            <a:endParaRPr lang="de-DE" dirty="0">
+              <a:solidFill>
+                <a:schemeClr val="tx1">
+                  <a:lumMod val="95000"/>
+                  <a:lumOff val="5000"/>
+                </a:schemeClr>
+              </a:solidFill>
+            </a:endParaRPr>
+          </a:p>
+          <a:p>
+            <a:r>
+              <a:rPr lang="de-DE" dirty="0">
+                <a:solidFill>
+                  <a:schemeClr val="tx1">
+                    <a:lumMod val="95000"/>
+                    <a:lumOff val="5000"/>
+                  </a:schemeClr>
+                </a:solidFill>
+              </a:rPr>
+              <a:t>Kontakt:</a:t>
+            </a:r>
+          </a:p>
+          <a:p>
             <a:r>
               <a:rPr lang="de-DE" dirty="0" err="1">
                 <a:solidFill>
@@ -11385,7 +11421,7 @@
                   </a:schemeClr>
                 </a:solidFill>
               </a:rPr>
-              <a:t>github.com</a:t>
+              <a:t>lucinemadadi</a:t>
             </a:r>
             <a:r>
               <a:rPr lang="de-DE" dirty="0">
@@ -11396,7 +11432,7 @@
                   </a:schemeClr>
                 </a:solidFill>
               </a:rPr>
-              <a:t>/</a:t>
+              <a:t> {at} </a:t>
             </a:r>
             <a:r>
               <a:rPr lang="de-DE" dirty="0" err="1">
@@ -11407,7 +11443,7 @@
                   </a:schemeClr>
                 </a:solidFill>
               </a:rPr>
-              <a:t>ansrev</a:t>
+              <a:t>gmail</a:t>
             </a:r>
             <a:r>
               <a:rPr lang="de-DE" dirty="0">
@@ -11418,7 +11454,7 @@
                   </a:schemeClr>
                 </a:solidFill>
               </a:rPr>
-              <a:t>/</a:t>
+              <a:t> {</a:t>
             </a:r>
             <a:r>
               <a:rPr lang="de-DE" dirty="0" err="1">
@@ -11429,7 +11465,29 @@
                   </a:schemeClr>
                 </a:solidFill>
               </a:rPr>
-              <a:t>qaoa_routing</a:t>
+              <a:t>dot</a:t>
+            </a:r>
+            <a:r>
+              <a:rPr lang="de-DE" dirty="0">
+                <a:solidFill>
+                  <a:schemeClr val="tx1">
+                    <a:lumMod val="95000"/>
+                    <a:lumOff val="5000"/>
+                  </a:schemeClr>
+                </a:solidFill>
+              </a:rPr>
+              <a:t>} </a:t>
+            </a:r>
+            <a:r>
+              <a:rPr lang="de-DE" dirty="0" err="1">
+                <a:solidFill>
+                  <a:schemeClr val="tx1">
+                    <a:lumMod val="95000"/>
+                    <a:lumOff val="5000"/>
+                  </a:schemeClr>
+                </a:solidFill>
+              </a:rPr>
+              <a:t>com</a:t>
             </a:r>
             <a:endParaRPr lang="de-DE" dirty="0">
               <a:solidFill>
@@ -11883,8 +11941,8 @@
           </a:p>
         </p:txBody>
       </p:sp>
-      <mc:AlternateContent xmlns:mc="http://schemas.openxmlformats.org/markup-compatibility/2006">
-        <mc:Choice xmlns:a14="http://schemas.microsoft.com/office/drawing/2010/main" Requires="a14">
+      <mc:AlternateContent xmlns:mc="http://schemas.openxmlformats.org/markup-compatibility/2006" xmlns:a14="http://schemas.microsoft.com/office/drawing/2010/main">
+        <mc:Choice Requires="a14">
           <p:sp>
             <p:nvSpPr>
               <p:cNvPr id="3" name="Content Placeholder 2">
@@ -12047,7 +12105,7 @@
             </p:txBody>
           </p:sp>
         </mc:Choice>
-        <mc:Fallback>
+        <mc:Fallback xmlns="">
           <p:sp>
             <p:nvSpPr>
               <p:cNvPr id="3" name="Content Placeholder 2">
@@ -12243,8 +12301,8 @@
           </a:p>
         </p:txBody>
       </p:sp>
-      <mc:AlternateContent xmlns:mc="http://schemas.openxmlformats.org/markup-compatibility/2006">
-        <mc:Choice xmlns:a14="http://schemas.microsoft.com/office/drawing/2010/main" Requires="a14">
+      <mc:AlternateContent xmlns:mc="http://schemas.openxmlformats.org/markup-compatibility/2006" xmlns:a14="http://schemas.microsoft.com/office/drawing/2010/main">
+        <mc:Choice Requires="a14">
           <p:sp>
             <p:nvSpPr>
               <p:cNvPr id="3" name="Content Placeholder 2">
@@ -12348,7 +12406,7 @@
             </p:txBody>
           </p:sp>
         </mc:Choice>
-        <mc:Fallback>
+        <mc:Fallback xmlns="">
           <p:sp>
             <p:nvSpPr>
               <p:cNvPr id="3" name="Content Placeholder 2">
